--- a/Lectures/10. jQuery, HTML5, Slice and Dice/HTML5 - New Javascript APIs.pptx
+++ b/Lectures/10. jQuery, HTML5, Slice and Dice/HTML5 - New Javascript APIs.pptx
@@ -5,7 +5,7 @@
     <p:sldMasterId id="2147483660" r:id="rId1"/>
   </p:sldMasterIdLst>
   <p:notesMasterIdLst>
-    <p:notesMasterId r:id="rId40"/>
+    <p:notesMasterId r:id="rId38"/>
   </p:notesMasterIdLst>
   <p:sldIdLst>
     <p:sldId id="256" r:id="rId2"/>
@@ -44,8 +44,6 @@
     <p:sldId id="293" r:id="rId35"/>
     <p:sldId id="291" r:id="rId36"/>
     <p:sldId id="289" r:id="rId37"/>
-    <p:sldId id="295" r:id="rId38"/>
-    <p:sldId id="296" r:id="rId39"/>
   </p:sldIdLst>
   <p:sldSz cx="9144000" cy="6858000" type="screen4x3"/>
   <p:notesSz cx="6858000" cy="9144000"/>
@@ -229,7 +227,7 @@
           <a:p>
             <a:fld id="{A5383012-DC3B-4A68-8FE0-1752B90BCD13}" type="datetimeFigureOut">
               <a:rPr lang="en-US" smtClean="0"/>
-              <a:t>7/8/2011</a:t>
+              <a:t>21-Nov-11</a:t>
             </a:fld>
             <a:endParaRPr lang="en-US"/>
           </a:p>
@@ -14303,349 +14301,6 @@
   <p:clrMapOvr>
     <a:masterClrMapping/>
   </p:clrMapOvr>
-</p:sld>
-</file>
-
-<file path=ppt/slides/slide37.xml><?xml version="1.0" encoding="utf-8"?>
-<p:sld xmlns:a="http://schemas.openxmlformats.org/drawingml/2006/main" xmlns:r="http://schemas.openxmlformats.org/officeDocument/2006/relationships" xmlns:p="http://schemas.openxmlformats.org/presentationml/2006/main">
-  <p:cSld>
-    <p:spTree>
-      <p:nvGrpSpPr>
-        <p:cNvPr id="1" name=""/>
-        <p:cNvGrpSpPr/>
-        <p:nvPr/>
-      </p:nvGrpSpPr>
-      <p:grpSpPr>
-        <a:xfrm>
-          <a:off x="0" y="0"/>
-          <a:ext cx="0" cy="0"/>
-          <a:chOff x="0" y="0"/>
-          <a:chExt cx="0" cy="0"/>
-        </a:xfrm>
-      </p:grpSpPr>
-      <p:sp>
-        <p:nvSpPr>
-          <p:cNvPr id="3" name="Title 2"/>
-          <p:cNvSpPr>
-            <a:spLocks noGrp="1"/>
-          </p:cNvSpPr>
-          <p:nvPr>
-            <p:ph type="title"/>
-          </p:nvPr>
-        </p:nvSpPr>
-        <p:spPr/>
-        <p:txBody>
-          <a:bodyPr/>
-          <a:lstStyle/>
-          <a:p>
-            <a:r>
-              <a:rPr lang="en-US" dirty="0" smtClean="0"/>
-              <a:t>Exercises</a:t>
-            </a:r>
-            <a:endParaRPr lang="en-US" dirty="0"/>
-          </a:p>
-        </p:txBody>
-      </p:sp>
-      <p:sp>
-        <p:nvSpPr>
-          <p:cNvPr id="4" name="Text Placeholder 3"/>
-          <p:cNvSpPr>
-            <a:spLocks noGrp="1"/>
-          </p:cNvSpPr>
-          <p:nvPr>
-            <p:ph type="body" sz="quarter" idx="10"/>
-          </p:nvPr>
-        </p:nvSpPr>
-        <p:spPr>
-          <a:xfrm>
-            <a:off x="381000" y="1411552"/>
-            <a:ext cx="8382000" cy="5065448"/>
-          </a:xfrm>
-        </p:spPr>
-        <p:txBody>
-          <a:bodyPr/>
-          <a:lstStyle/>
-          <a:p>
-            <a:pPr marL="514350" indent="-514350">
-              <a:buFont typeface="+mj-lt"/>
-              <a:buAutoNum type="arabicPeriod"/>
-            </a:pPr>
-            <a:r>
-              <a:rPr lang="en-US" dirty="0" smtClean="0"/>
-              <a:t>Write wrapper function as follows:</a:t>
-            </a:r>
-            <a:br>
-              <a:rPr lang="en-US" dirty="0" smtClean="0"/>
-            </a:br>
-            <a:r>
-              <a:rPr lang="en-US" dirty="0" smtClean="0"/>
-              <a:t/>
-            </a:r>
-            <a:br>
-              <a:rPr lang="en-US" dirty="0" smtClean="0"/>
-            </a:br>
-            <a:r>
-              <a:rPr lang="en-US" dirty="0" smtClean="0"/>
-              <a:t>$(ID) to return either a single element, whose ID is the one passed or null</a:t>
-            </a:r>
-            <a:br>
-              <a:rPr lang="en-US" dirty="0" smtClean="0"/>
-            </a:br>
-            <a:r>
-              <a:rPr lang="en-US" dirty="0" smtClean="0"/>
-              <a:t/>
-            </a:r>
-            <a:br>
-              <a:rPr lang="en-US" dirty="0" smtClean="0"/>
-            </a:br>
-            <a:r>
-              <a:rPr lang="en-US" dirty="0" smtClean="0"/>
-              <a:t>$$(selector) to return an array of elements or empty array with results;</a:t>
-            </a:r>
-            <a:br>
-              <a:rPr lang="en-US" dirty="0" smtClean="0"/>
-            </a:br>
-            <a:r>
-              <a:rPr lang="en-US" dirty="0" smtClean="0"/>
-              <a:t/>
-            </a:r>
-            <a:br>
-              <a:rPr lang="en-US" dirty="0" smtClean="0"/>
-            </a:br>
-            <a:r>
-              <a:rPr lang="en-US" dirty="0" smtClean="0"/>
-              <a:t>Use mapping to existing DOM methods e.g. </a:t>
-            </a:r>
-            <a:r>
-              <a:rPr lang="en-US" dirty="0" err="1" smtClean="0"/>
-              <a:t>getElementByClassName</a:t>
-            </a:r>
-            <a:r>
-              <a:rPr lang="en-US" dirty="0" smtClean="0"/>
-              <a:t>, </a:t>
-            </a:r>
-            <a:r>
-              <a:rPr lang="en-US" dirty="0" err="1" smtClean="0"/>
-              <a:t>querySelectorAll</a:t>
-            </a:r>
-            <a:r>
-              <a:rPr lang="en-US" dirty="0" smtClean="0"/>
-              <a:t/>
-            </a:r>
-            <a:br>
-              <a:rPr lang="en-US" dirty="0" smtClean="0"/>
-            </a:br>
-            <a:endParaRPr lang="en-US" dirty="0"/>
-          </a:p>
-        </p:txBody>
-      </p:sp>
-    </p:spTree>
-    <p:extLst>
-      <p:ext uri="{BB962C8B-B14F-4D97-AF65-F5344CB8AC3E}">
-        <p14:creationId xmlns:p14="http://schemas.microsoft.com/office/powerpoint/2010/main" val="2396206777"/>
-      </p:ext>
-    </p:extLst>
-  </p:cSld>
-  <p:clrMapOvr>
-    <a:masterClrMapping/>
-  </p:clrMapOvr>
-  <mc:AlternateContent xmlns:mc="http://schemas.openxmlformats.org/markup-compatibility/2006" xmlns:p14="http://schemas.microsoft.com/office/powerpoint/2010/main">
-    <mc:Choice Requires="p14">
-      <p:transition>
-        <p14:pan dir="u"/>
-      </p:transition>
-    </mc:Choice>
-    <mc:Fallback xmlns="">
-      <p:transition>
-        <p:fade/>
-      </p:transition>
-    </mc:Fallback>
-  </mc:AlternateContent>
-</p:sld>
-</file>
-
-<file path=ppt/slides/slide38.xml><?xml version="1.0" encoding="utf-8"?>
-<p:sld xmlns:a="http://schemas.openxmlformats.org/drawingml/2006/main" xmlns:r="http://schemas.openxmlformats.org/officeDocument/2006/relationships" xmlns:p="http://schemas.openxmlformats.org/presentationml/2006/main">
-  <p:cSld>
-    <p:spTree>
-      <p:nvGrpSpPr>
-        <p:cNvPr id="1" name=""/>
-        <p:cNvGrpSpPr/>
-        <p:nvPr/>
-      </p:nvGrpSpPr>
-      <p:grpSpPr>
-        <a:xfrm>
-          <a:off x="0" y="0"/>
-          <a:ext cx="0" cy="0"/>
-          <a:chOff x="0" y="0"/>
-          <a:chExt cx="0" cy="0"/>
-        </a:xfrm>
-      </p:grpSpPr>
-      <p:sp>
-        <p:nvSpPr>
-          <p:cNvPr id="3" name="Title 2"/>
-          <p:cNvSpPr>
-            <a:spLocks noGrp="1"/>
-          </p:cNvSpPr>
-          <p:nvPr>
-            <p:ph type="title"/>
-          </p:nvPr>
-        </p:nvSpPr>
-        <p:spPr/>
-        <p:txBody>
-          <a:bodyPr/>
-          <a:lstStyle/>
-          <a:p>
-            <a:r>
-              <a:rPr lang="en-US" dirty="0" smtClean="0"/>
-              <a:t>Exercises</a:t>
-            </a:r>
-            <a:endParaRPr lang="en-US" dirty="0"/>
-          </a:p>
-        </p:txBody>
-      </p:sp>
-      <p:sp>
-        <p:nvSpPr>
-          <p:cNvPr id="4" name="Text Placeholder 3"/>
-          <p:cNvSpPr>
-            <a:spLocks noGrp="1"/>
-          </p:cNvSpPr>
-          <p:nvPr>
-            <p:ph type="body" sz="quarter" idx="10"/>
-          </p:nvPr>
-        </p:nvSpPr>
-        <p:spPr>
-          <a:xfrm>
-            <a:off x="381000" y="1411552"/>
-            <a:ext cx="8382000" cy="5065448"/>
-          </a:xfrm>
-        </p:spPr>
-        <p:txBody>
-          <a:bodyPr/>
-          <a:lstStyle/>
-          <a:p>
-            <a:pPr marL="514350" indent="-514350">
-              <a:buFont typeface="+mj-lt"/>
-              <a:buAutoNum type="arabicPeriod" startAt="2"/>
-            </a:pPr>
-            <a:r>
-              <a:rPr lang="en-US" dirty="0" smtClean="0"/>
-              <a:t>Write an event </a:t>
-            </a:r>
-            <a:r>
-              <a:rPr lang="en-US" dirty="0"/>
-              <a:t>delegate </a:t>
-            </a:r>
-            <a:r>
-              <a:rPr lang="en-US" dirty="0" smtClean="0"/>
-              <a:t>function member of the Event global object e.g</a:t>
-            </a:r>
-            <a:r>
-              <a:rPr lang="en-US" dirty="0"/>
-              <a:t>. </a:t>
-            </a:r>
-            <a:r>
-              <a:rPr lang="en-US" noProof="1" smtClean="0"/>
-              <a:t>Event.delegate</a:t>
-            </a:r>
-            <a:r>
-              <a:rPr lang="en-US" dirty="0" smtClean="0"/>
-              <a:t>("</a:t>
-            </a:r>
-            <a:r>
-              <a:rPr lang="en-US" dirty="0"/>
-              <a:t>selector</a:t>
-            </a:r>
-            <a:r>
-              <a:rPr lang="en-US"/>
-              <a:t>", </a:t>
-            </a:r>
-            <a:r>
-              <a:rPr lang="en-US" smtClean="0"/>
-              <a:t>"</a:t>
-            </a:r>
-            <a:r>
-              <a:rPr lang="en-US" noProof="1" smtClean="0"/>
-              <a:t>eventName</a:t>
-            </a:r>
-            <a:r>
-              <a:rPr lang="en-US" smtClean="0"/>
-              <a:t>", </a:t>
-            </a:r>
-            <a:r>
-              <a:rPr lang="en-US" noProof="1" smtClean="0"/>
-              <a:t>handlerName</a:t>
-            </a:r>
-            <a:r>
-              <a:rPr lang="en-US" dirty="0" smtClean="0"/>
-              <a:t>) </a:t>
-            </a:r>
-            <a:r>
-              <a:rPr lang="en-US" dirty="0"/>
-              <a:t>using the </a:t>
-            </a:r>
-            <a:r>
-              <a:rPr lang="en-US" dirty="0" smtClean="0"/>
-              <a:t>previously written functions to match selectors.</a:t>
-            </a:r>
-            <a:br>
-              <a:rPr lang="en-US" dirty="0" smtClean="0"/>
-            </a:br>
-            <a:r>
-              <a:rPr lang="en-US" dirty="0" smtClean="0"/>
-              <a:t/>
-            </a:r>
-            <a:br>
-              <a:rPr lang="en-US" dirty="0" smtClean="0"/>
-            </a:br>
-            <a:r>
-              <a:rPr lang="en-US" dirty="0" smtClean="0"/>
-              <a:t>Map the global listeners to the document or body </a:t>
-            </a:r>
-            <a:r>
-              <a:rPr lang="en-US" dirty="0" smtClean="0"/>
-              <a:t>element;</a:t>
-            </a:r>
-            <a:br>
-              <a:rPr lang="en-US" dirty="0" smtClean="0"/>
-            </a:br>
-            <a:r>
-              <a:rPr lang="en-US" dirty="0" smtClean="0"/>
-              <a:t/>
-            </a:r>
-            <a:br>
-              <a:rPr lang="en-US" dirty="0" smtClean="0"/>
-            </a:br>
-            <a:r>
-              <a:rPr lang="en-US" dirty="0" smtClean="0"/>
-              <a:t>Use w3c style events.</a:t>
-            </a:r>
-            <a:endParaRPr lang="en-US" dirty="0" smtClean="0"/>
-          </a:p>
-        </p:txBody>
-      </p:sp>
-    </p:spTree>
-    <p:extLst>
-      <p:ext uri="{BB962C8B-B14F-4D97-AF65-F5344CB8AC3E}">
-        <p14:creationId xmlns:p14="http://schemas.microsoft.com/office/powerpoint/2010/main" val="2522480701"/>
-      </p:ext>
-    </p:extLst>
-  </p:cSld>
-  <p:clrMapOvr>
-    <a:masterClrMapping/>
-  </p:clrMapOvr>
-  <mc:AlternateContent xmlns:mc="http://schemas.openxmlformats.org/markup-compatibility/2006" xmlns:p14="http://schemas.microsoft.com/office/powerpoint/2010/main">
-    <mc:Choice Requires="p14">
-      <p:transition>
-        <p14:pan dir="u"/>
-      </p:transition>
-    </mc:Choice>
-    <mc:Fallback xmlns="">
-      <p:transition>
-        <p:fade/>
-      </p:transition>
-    </mc:Fallback>
-  </mc:AlternateContent>
 </p:sld>
 </file>
 
